--- a/documentation/Yotube.pptx
+++ b/documentation/Yotube.pptx
@@ -111,6 +111,11 @@
       </a:defRPr>
     </a:lvl9pPr>
   </p:defaultTextStyle>
+  <p:extLst>
+    <p:ext uri="{EFAFB233-063F-42B5-8137-9DF3F51BA10A}">
+      <p15:sldGuideLst xmlns:p15="http://schemas.microsoft.com/office/powerpoint/2012/main"/>
+    </p:ext>
+  </p:extLst>
 </p:presentation>
 </file>
 
@@ -13273,7 +13278,7 @@
         </p:nvSpPr>
         <p:spPr>
           <a:xfrm>
-            <a:off x="1360226" y="590100"/>
+            <a:off x="1671797" y="385383"/>
             <a:ext cx="9749051" cy="3011938"/>
           </a:xfrm>
         </p:spPr>
@@ -13283,6 +13288,12 @@
           <a:p>
             <a:r>
               <a:rPr lang="en-US" b="1" dirty="0" err="1" smtClean="0">
+                <a:solidFill>
+                  <a:schemeClr val="accent6">
+                    <a:lumMod val="60000"/>
+                    <a:lumOff val="40000"/>
+                  </a:schemeClr>
+                </a:solidFill>
                 <a:latin typeface="Times New Roman" panose="02020603050405020304" pitchFamily="18" charset="0"/>
                 <a:cs typeface="Times New Roman" panose="02020603050405020304" pitchFamily="18" charset="0"/>
               </a:rPr>
@@ -13308,7 +13319,7 @@
             <a:r>
               <a:rPr lang="en-US" sz="2400" b="1" dirty="0" smtClean="0">
                 <a:solidFill>
-                  <a:schemeClr val="accent5"/>
+                  <a:srgbClr val="FFC000"/>
                 </a:solidFill>
                 <a:latin typeface="Times New Roman" panose="02020603050405020304" pitchFamily="18" charset="0"/>
                 <a:cs typeface="Times New Roman" panose="02020603050405020304" pitchFamily="18" charset="0"/>
@@ -13317,7 +13328,7 @@
             </a:r>
             <a:endParaRPr lang="en-US" sz="2400" b="1" dirty="0">
               <a:solidFill>
-                <a:schemeClr val="accent5"/>
+                <a:srgbClr val="FFC000"/>
               </a:solidFill>
               <a:latin typeface="Times New Roman" panose="02020603050405020304" pitchFamily="18" charset="0"/>
               <a:cs typeface="Times New Roman" panose="02020603050405020304" pitchFamily="18" charset="0"/>
@@ -13337,7 +13348,7 @@
         </p:nvSpPr>
         <p:spPr>
           <a:xfrm>
-            <a:off x="1360226" y="4408227"/>
+            <a:off x="7128574" y="4790364"/>
             <a:ext cx="8825658" cy="1544472"/>
           </a:xfrm>
         </p:spPr>
@@ -13348,7 +13359,14 @@
           <a:lstStyle/>
           <a:p>
             <a:r>
-              <a:rPr lang="en-US" dirty="0" smtClean="0"/>
+              <a:rPr lang="en-US" dirty="0" smtClean="0">
+                <a:solidFill>
+                  <a:schemeClr val="accent5">
+                    <a:lumMod val="20000"/>
+                    <a:lumOff val="80000"/>
+                  </a:schemeClr>
+                </a:solidFill>
+              </a:rPr>
               <a:t>By</a:t>
             </a:r>
           </a:p>
@@ -13358,7 +13376,14 @@
               <a:buChar char="-"/>
             </a:pPr>
             <a:r>
-              <a:rPr lang="en-US" dirty="0" smtClean="0"/>
+              <a:rPr lang="en-US" dirty="0" smtClean="0">
+                <a:solidFill>
+                  <a:schemeClr val="accent5">
+                    <a:lumMod val="20000"/>
+                    <a:lumOff val="80000"/>
+                  </a:schemeClr>
+                </a:solidFill>
+              </a:rPr>
               <a:t>Anvesh Tummala ClassID-48</a:t>
             </a:r>
           </a:p>
@@ -13368,27 +13393,69 @@
               <a:buChar char="-"/>
             </a:pPr>
             <a:r>
-              <a:rPr lang="en-US" dirty="0" err="1" smtClean="0"/>
+              <a:rPr lang="en-US" dirty="0" err="1" smtClean="0">
+                <a:solidFill>
+                  <a:schemeClr val="accent5">
+                    <a:lumMod val="20000"/>
+                    <a:lumOff val="80000"/>
+                  </a:schemeClr>
+                </a:solidFill>
+              </a:rPr>
               <a:t>Satish</a:t>
             </a:r>
             <a:r>
-              <a:rPr lang="en-US" dirty="0" smtClean="0"/>
+              <a:rPr lang="en-US" dirty="0" smtClean="0">
+                <a:solidFill>
+                  <a:schemeClr val="accent5">
+                    <a:lumMod val="20000"/>
+                    <a:lumOff val="80000"/>
+                  </a:schemeClr>
+                </a:solidFill>
+              </a:rPr>
               <a:t> </a:t>
             </a:r>
             <a:r>
-              <a:rPr lang="en-US" dirty="0" err="1" smtClean="0"/>
+              <a:rPr lang="en-US" dirty="0" err="1" smtClean="0">
+                <a:solidFill>
+                  <a:schemeClr val="accent5">
+                    <a:lumMod val="20000"/>
+                    <a:lumOff val="80000"/>
+                  </a:schemeClr>
+                </a:solidFill>
+              </a:rPr>
               <a:t>Chowdary</a:t>
             </a:r>
             <a:r>
-              <a:rPr lang="en-US" dirty="0" smtClean="0"/>
+              <a:rPr lang="en-US" dirty="0" smtClean="0">
+                <a:solidFill>
+                  <a:schemeClr val="accent5">
+                    <a:lumMod val="20000"/>
+                    <a:lumOff val="80000"/>
+                  </a:schemeClr>
+                </a:solidFill>
+              </a:rPr>
               <a:t> </a:t>
             </a:r>
             <a:r>
-              <a:rPr lang="en-US" dirty="0" err="1" smtClean="0"/>
+              <a:rPr lang="en-US" dirty="0" err="1" smtClean="0">
+                <a:solidFill>
+                  <a:schemeClr val="accent5">
+                    <a:lumMod val="20000"/>
+                    <a:lumOff val="80000"/>
+                  </a:schemeClr>
+                </a:solidFill>
+              </a:rPr>
               <a:t>Anumolu</a:t>
             </a:r>
             <a:r>
-              <a:rPr lang="en-US" dirty="0" smtClean="0"/>
+              <a:rPr lang="en-US" dirty="0" smtClean="0">
+                <a:solidFill>
+                  <a:schemeClr val="accent5">
+                    <a:lumMod val="20000"/>
+                    <a:lumOff val="80000"/>
+                  </a:schemeClr>
+                </a:solidFill>
+              </a:rPr>
               <a:t> ClassID-2</a:t>
             </a:r>
           </a:p>
@@ -13398,15 +13465,36 @@
               <a:buChar char="-"/>
             </a:pPr>
             <a:r>
-              <a:rPr lang="en-US" dirty="0" smtClean="0"/>
+              <a:rPr lang="en-US" dirty="0" smtClean="0">
+                <a:solidFill>
+                  <a:schemeClr val="accent5">
+                    <a:lumMod val="20000"/>
+                    <a:lumOff val="80000"/>
+                  </a:schemeClr>
+                </a:solidFill>
+              </a:rPr>
               <a:t>Rahul </a:t>
             </a:r>
             <a:r>
-              <a:rPr lang="en-US" dirty="0" err="1" smtClean="0"/>
+              <a:rPr lang="en-US" dirty="0" err="1" smtClean="0">
+                <a:solidFill>
+                  <a:schemeClr val="accent5">
+                    <a:lumMod val="20000"/>
+                    <a:lumOff val="80000"/>
+                  </a:schemeClr>
+                </a:solidFill>
+              </a:rPr>
               <a:t>Ponnada</a:t>
             </a:r>
             <a:r>
-              <a:rPr lang="en-US" dirty="0" smtClean="0"/>
+              <a:rPr lang="en-US" dirty="0" smtClean="0">
+                <a:solidFill>
+                  <a:schemeClr val="accent5">
+                    <a:lumMod val="20000"/>
+                    <a:lumOff val="80000"/>
+                  </a:schemeClr>
+                </a:solidFill>
+              </a:rPr>
               <a:t> ClassID-39</a:t>
             </a:r>
           </a:p>
@@ -13416,23 +13504,58 @@
               <a:buChar char="-"/>
             </a:pPr>
             <a:r>
-              <a:rPr lang="en-US" dirty="0" smtClean="0"/>
+              <a:rPr lang="en-US" dirty="0" smtClean="0">
+                <a:solidFill>
+                  <a:schemeClr val="accent5">
+                    <a:lumMod val="20000"/>
+                    <a:lumOff val="80000"/>
+                  </a:schemeClr>
+                </a:solidFill>
+              </a:rPr>
               <a:t>Surya </a:t>
             </a:r>
             <a:r>
-              <a:rPr lang="en-US" dirty="0" err="1" smtClean="0"/>
+              <a:rPr lang="en-US" dirty="0" err="1" smtClean="0">
+                <a:solidFill>
+                  <a:schemeClr val="accent5">
+                    <a:lumMod val="20000"/>
+                    <a:lumOff val="80000"/>
+                  </a:schemeClr>
+                </a:solidFill>
+              </a:rPr>
               <a:t>prabha</a:t>
             </a:r>
             <a:r>
-              <a:rPr lang="en-US" dirty="0" smtClean="0"/>
+              <a:rPr lang="en-US" dirty="0" smtClean="0">
+                <a:solidFill>
+                  <a:schemeClr val="accent5">
+                    <a:lumMod val="20000"/>
+                    <a:lumOff val="80000"/>
+                  </a:schemeClr>
+                </a:solidFill>
+              </a:rPr>
               <a:t> </a:t>
             </a:r>
             <a:r>
-              <a:rPr lang="en-US" dirty="0" err="1" smtClean="0"/>
+              <a:rPr lang="en-US" dirty="0" err="1" smtClean="0">
+                <a:solidFill>
+                  <a:schemeClr val="accent5">
+                    <a:lumMod val="20000"/>
+                    <a:lumOff val="80000"/>
+                  </a:schemeClr>
+                </a:solidFill>
+              </a:rPr>
               <a:t>ghanta</a:t>
             </a:r>
             <a:r>
-              <a:rPr lang="en-US" dirty="0" smtClean="0"/>
+              <a:rPr lang="en-US" dirty="0" smtClean="0">
+                <a:solidFill>
+                  <a:schemeClr val="accent5">
+                    <a:lumMod val="20000"/>
+                    <a:lumOff val="80000"/>
+                  </a:schemeClr>
+                </a:solidFill>
+              </a:rPr>
               <a:t> classid-19</a:t>
             </a:r>
           </a:p>
@@ -13517,8 +13640,8 @@
         </p:nvSpPr>
         <p:spPr>
           <a:xfrm>
-            <a:off x="1154954" y="3026581"/>
-            <a:ext cx="8825659" cy="3416300"/>
+            <a:off x="1154954" y="2562557"/>
+            <a:ext cx="9681368" cy="3416300"/>
           </a:xfrm>
         </p:spPr>
         <p:txBody>
@@ -13526,28 +13649,43 @@
           <a:lstStyle/>
           <a:p>
             <a:r>
-              <a:rPr lang="en-US" dirty="0" smtClean="0"/>
-              <a:t>When we are unclear about our searches, we all face difficulty in searching YouTube videos. </a:t>
-            </a:r>
-            <a:endParaRPr lang="en-US" dirty="0"/>
-          </a:p>
-          <a:p>
-            <a:r>
-              <a:rPr lang="en-US" dirty="0" smtClean="0"/>
-              <a:t>So, linking the Ontological results from API’s like Freebase, </a:t>
-            </a:r>
-            <a:r>
-              <a:rPr lang="en-US" dirty="0" err="1" smtClean="0"/>
+              <a:rPr lang="en-US" sz="2000" dirty="0" smtClean="0"/>
+              <a:t>When we are unclear about our </a:t>
+            </a:r>
+            <a:r>
+              <a:rPr lang="en-US" sz="2000" dirty="0" smtClean="0"/>
+              <a:t>searching videos on YouTube, </a:t>
+            </a:r>
+            <a:r>
+              <a:rPr lang="en-US" sz="2000" dirty="0" smtClean="0"/>
+              <a:t>we all face </a:t>
+            </a:r>
+            <a:r>
+              <a:rPr lang="en-US" sz="2000" dirty="0" smtClean="0"/>
+              <a:t>difficulty</a:t>
+            </a:r>
+          </a:p>
+          <a:p>
+            <a:r>
+              <a:rPr lang="en-US" sz="2000" dirty="0" smtClean="0"/>
+              <a:t>So</a:t>
+            </a:r>
+            <a:r>
+              <a:rPr lang="en-US" sz="2000" dirty="0" smtClean="0"/>
+              <a:t>, linking the Ontological results from API’s like Freebase, </a:t>
+            </a:r>
+            <a:r>
+              <a:rPr lang="en-US" sz="2000" dirty="0" err="1" smtClean="0"/>
               <a:t>WikiData</a:t>
             </a:r>
             <a:r>
-              <a:rPr lang="en-US" dirty="0" smtClean="0"/>
+              <a:rPr lang="en-US" sz="2000" dirty="0" smtClean="0"/>
               <a:t> to your YouTube results will better up your video search.</a:t>
             </a:r>
           </a:p>
           <a:p>
             <a:r>
-              <a:rPr lang="en-US" dirty="0" smtClean="0"/>
+              <a:rPr lang="en-US" sz="2000" dirty="0" smtClean="0"/>
               <a:t>Ranking and refining the search results from the YouTube API will definitely improve the search process.</a:t>
             </a:r>
           </a:p>
@@ -13625,7 +13763,7 @@
         <p:spPr>
           <a:xfrm>
             <a:off x="1154954" y="2442948"/>
-            <a:ext cx="6580648" cy="4201150"/>
+            <a:ext cx="7443063" cy="4147610"/>
           </a:xfrm>
           <a:prstGeom prst="rect">
             <a:avLst/>
@@ -13647,15 +13785,7 @@
             </a:pPr>
             <a:r>
               <a:rPr lang="en-US" sz="2000" b="1" dirty="0" smtClean="0"/>
-              <a:t>Login</a:t>
-            </a:r>
-            <a:r>
-              <a:rPr lang="en-US" b="1" dirty="0" smtClean="0"/>
-              <a:t> </a:t>
-            </a:r>
-            <a:r>
-              <a:rPr lang="en-US" sz="1600" b="1" dirty="0" smtClean="0"/>
-              <a:t>(with remember me and forgot password)</a:t>
+              <a:t>Login (with remember me and forgot password)</a:t>
             </a:r>
           </a:p>
           <a:p>
@@ -13668,17 +13798,8 @@
             </a:pPr>
             <a:r>
               <a:rPr lang="en-US" sz="2000" b="1" dirty="0" smtClean="0"/>
-              <a:t>Rank based Search </a:t>
-            </a:r>
-            <a:r>
-              <a:rPr lang="en-US" sz="1600" b="1" dirty="0" smtClean="0"/>
-              <a:t>(that enhances your search results)</a:t>
-            </a:r>
-            <a:r>
-              <a:rPr lang="en-US" sz="2000" b="1" dirty="0" smtClean="0"/>
-              <a:t> </a:t>
-            </a:r>
-            <a:endParaRPr lang="en-US" sz="2000" b="1" dirty="0" smtClean="0"/>
+              <a:t>Rank based Search (that enhances your search results) </a:t>
+            </a:r>
           </a:p>
           <a:p>
             <a:pPr marL="342900" indent="-342900">
@@ -14895,7 +15016,7 @@
         </p:nvSpPr>
         <p:spPr>
           <a:xfrm>
-            <a:off x="1744890" y="2846440"/>
+            <a:off x="1154954" y="2826850"/>
             <a:ext cx="4036478" cy="1631216"/>
           </a:xfrm>
           <a:prstGeom prst="rect">
@@ -14961,8 +15082,8 @@
         </p:nvSpPr>
         <p:spPr>
           <a:xfrm>
-            <a:off x="6439794" y="2846440"/>
-            <a:ext cx="4036478" cy="2246769"/>
+            <a:off x="5879889" y="2842261"/>
+            <a:ext cx="4560648" cy="1938992"/>
           </a:xfrm>
           <a:prstGeom prst="rect">
             <a:avLst/>
@@ -14987,7 +15108,15 @@
             </a:pPr>
             <a:r>
               <a:rPr lang="en-US" sz="2000" b="1" dirty="0" smtClean="0"/>
-              <a:t>Java EE(servlets and JSP’s)</a:t>
+              <a:t>Java EE(servlets and </a:t>
+            </a:r>
+            <a:r>
+              <a:rPr lang="en-US" sz="2000" b="1" dirty="0" smtClean="0"/>
+              <a:t>JSP’s</a:t>
+            </a:r>
+            <a:r>
+              <a:rPr lang="en-US" sz="2000" b="1" dirty="0" smtClean="0"/>
+              <a:t>)</a:t>
             </a:r>
           </a:p>
           <a:p>
@@ -15090,7 +15219,7 @@
         <p:spPr>
           <a:xfrm>
             <a:off x="1154954" y="2787446"/>
-            <a:ext cx="2980233" cy="2498056"/>
+            <a:ext cx="2980233" cy="2308324"/>
           </a:xfrm>
           <a:prstGeom prst="rect">
             <a:avLst/>
@@ -15105,20 +15234,22 @@
           <a:p>
             <a:r>
               <a:rPr lang="en-US" b="1" dirty="0" smtClean="0"/>
-              <a:t>Ranking is based on the</a:t>
-            </a:r>
+              <a:t>Ranking is based on </a:t>
+            </a:r>
+            <a:endParaRPr lang="en-US" b="1" dirty="0"/>
           </a:p>
           <a:p>
             <a:pPr marL="285750" indent="-285750">
-              <a:lnSpc>
-                <a:spcPct val="200000"/>
-              </a:lnSpc>
               <a:buFont typeface="Arial" panose="020B0604020202020204" pitchFamily="34" charset="0"/>
               <a:buChar char="•"/>
             </a:pPr>
             <a:r>
               <a:rPr lang="en-US" b="1" dirty="0" smtClean="0"/>
-              <a:t>High View%</a:t>
+              <a:t>High </a:t>
+            </a:r>
+            <a:r>
+              <a:rPr lang="en-US" b="1" dirty="0" smtClean="0"/>
+              <a:t>View%</a:t>
             </a:r>
           </a:p>
           <a:p>
@@ -15293,7 +15424,23 @@
           <a:p>
             <a:r>
               <a:rPr lang="en-US" b="1" dirty="0" smtClean="0"/>
-              <a:t>Search Results term ‘IOS 8’</a:t>
+              <a:t>Search Results </a:t>
+            </a:r>
+            <a:r>
+              <a:rPr lang="en-US" b="1" dirty="0" smtClean="0"/>
+              <a:t>of </a:t>
+            </a:r>
+            <a:r>
+              <a:rPr lang="en-US" b="1" dirty="0"/>
+              <a:t>k</a:t>
+            </a:r>
+            <a:r>
+              <a:rPr lang="en-US" b="1" dirty="0" smtClean="0"/>
+              <a:t>eyword </a:t>
+            </a:r>
+            <a:r>
+              <a:rPr lang="en-US" b="1" dirty="0" smtClean="0"/>
+              <a:t>‘IOS 8’</a:t>
             </a:r>
             <a:endParaRPr lang="en-US" b="1" dirty="0"/>
           </a:p>
@@ -15367,8 +15514,8 @@
         </p:nvSpPr>
         <p:spPr>
           <a:xfrm>
-            <a:off x="727251" y="2743200"/>
-            <a:ext cx="11192488" cy="1112164"/>
+            <a:off x="818866" y="2784142"/>
+            <a:ext cx="10181229" cy="1841017"/>
           </a:xfrm>
           <a:prstGeom prst="rect">
             <a:avLst/>
@@ -15376,7 +15523,7 @@
           <a:noFill/>
         </p:spPr>
         <p:txBody>
-          <a:bodyPr wrap="none" rtlCol="0">
+          <a:bodyPr wrap="square" rtlCol="0">
             <a:spAutoFit/>
           </a:bodyPr>
           <a:lstStyle/>
@@ -15387,35 +15534,118 @@
               </a:lnSpc>
             </a:pPr>
             <a:r>
+              <a:rPr lang="en-US" sz="2000" b="1" dirty="0" smtClean="0">
+                <a:solidFill>
+                  <a:schemeClr val="tx2">
+                    <a:lumMod val="60000"/>
+                    <a:lumOff val="40000"/>
+                  </a:schemeClr>
+                </a:solidFill>
+              </a:rPr>
+              <a:t>By using the Ontological </a:t>
+            </a:r>
+            <a:r>
+              <a:rPr lang="en-US" sz="2000" b="1" dirty="0" smtClean="0">
+                <a:solidFill>
+                  <a:schemeClr val="tx2">
+                    <a:lumMod val="60000"/>
+                    <a:lumOff val="40000"/>
+                  </a:schemeClr>
+                </a:solidFill>
+              </a:rPr>
+              <a:t>terms</a:t>
+            </a:r>
+            <a:r>
+              <a:rPr lang="en-US" sz="2000" b="1" dirty="0" smtClean="0">
+                <a:solidFill>
+                  <a:schemeClr val="tx2">
+                    <a:lumMod val="60000"/>
+                    <a:lumOff val="40000"/>
+                  </a:schemeClr>
+                </a:solidFill>
+              </a:rPr>
+              <a:t> </a:t>
+            </a:r>
+            <a:r>
+              <a:rPr lang="en-US" sz="2000" b="1" dirty="0" smtClean="0">
+                <a:solidFill>
+                  <a:schemeClr val="tx2">
+                    <a:lumMod val="60000"/>
+                    <a:lumOff val="40000"/>
+                  </a:schemeClr>
+                </a:solidFill>
+              </a:rPr>
+              <a:t>and  Ranking the </a:t>
+            </a:r>
+            <a:r>
+              <a:rPr lang="en-US" sz="2000" b="1" dirty="0" smtClean="0">
+                <a:solidFill>
+                  <a:schemeClr val="tx2">
+                    <a:lumMod val="60000"/>
+                    <a:lumOff val="40000"/>
+                  </a:schemeClr>
+                </a:solidFill>
+              </a:rPr>
+              <a:t>YouTube </a:t>
+            </a:r>
+            <a:r>
+              <a:rPr lang="en-US" sz="2000" b="1" dirty="0" smtClean="0">
+                <a:solidFill>
+                  <a:schemeClr val="tx2">
+                    <a:lumMod val="60000"/>
+                    <a:lumOff val="40000"/>
+                  </a:schemeClr>
+                </a:solidFill>
+              </a:rPr>
+              <a:t>results will enhance </a:t>
+            </a:r>
+            <a:r>
+              <a:rPr lang="en-US" sz="2000" b="1" dirty="0" smtClean="0">
+                <a:solidFill>
+                  <a:schemeClr val="tx2">
+                    <a:lumMod val="60000"/>
+                    <a:lumOff val="40000"/>
+                  </a:schemeClr>
+                </a:solidFill>
+              </a:rPr>
+              <a:t>the </a:t>
+            </a:r>
+            <a:r>
+              <a:rPr lang="en-US" sz="2000" b="1" dirty="0" smtClean="0">
+                <a:solidFill>
+                  <a:schemeClr val="tx2">
+                    <a:lumMod val="60000"/>
+                    <a:lumOff val="40000"/>
+                  </a:schemeClr>
+                </a:solidFill>
+              </a:rPr>
+              <a:t>search </a:t>
+            </a:r>
+            <a:r>
+              <a:rPr lang="en-US" sz="2000" b="1" dirty="0" smtClean="0">
+                <a:solidFill>
+                  <a:schemeClr val="tx2">
+                    <a:lumMod val="60000"/>
+                    <a:lumOff val="40000"/>
+                  </a:schemeClr>
+                </a:solidFill>
+              </a:rPr>
+              <a:t>results. Also </a:t>
+            </a:r>
+            <a:r>
+              <a:rPr lang="en-US" sz="2000" b="1" dirty="0" smtClean="0">
+                <a:solidFill>
+                  <a:schemeClr val="tx2">
+                    <a:lumMod val="60000"/>
+                    <a:lumOff val="40000"/>
+                  </a:schemeClr>
+                </a:solidFill>
+              </a:rPr>
+              <a:t>the ontological results will act as a great suggestions for refining our search to a specific topic</a:t>
+            </a:r>
+            <a:r>
               <a:rPr lang="en-US" b="1" dirty="0" smtClean="0"/>
-              <a:t>By using the Ontological use and  Ranking the </a:t>
-            </a:r>
-            <a:r>
-              <a:rPr lang="en-US" b="1" dirty="0" err="1" smtClean="0"/>
-              <a:t>youtube</a:t>
-            </a:r>
-            <a:r>
-              <a:rPr lang="en-US" b="1" dirty="0" smtClean="0"/>
-              <a:t> results will enhance </a:t>
-            </a:r>
-            <a:r>
-              <a:rPr lang="en-US" b="1" dirty="0" err="1" smtClean="0"/>
-              <a:t>ethe</a:t>
-            </a:r>
-            <a:r>
-              <a:rPr lang="en-US" b="1" dirty="0" smtClean="0"/>
-              <a:t> search results.</a:t>
-            </a:r>
-          </a:p>
-          <a:p>
-            <a:pPr>
-              <a:lnSpc>
-                <a:spcPct val="200000"/>
-              </a:lnSpc>
-            </a:pPr>
-            <a:r>
-              <a:rPr lang="en-US" b="1" dirty="0" smtClean="0"/>
-              <a:t>Also the ontological results will act as a great suggestions for refining our search to a specific topic.</a:t>
+              <a:t>.</a:t>
             </a:r>
             <a:endParaRPr lang="en-US" b="1" dirty="0"/>
           </a:p>
